--- a/ANOVA/界面.pptx
+++ b/ANOVA/界面.pptx
@@ -7,7 +7,7 @@
   <p:sldIdLst>
     <p:sldId id="256" r:id="rId2"/>
   </p:sldIdLst>
-  <p:sldSz cx="9144000" cy="6858000" type="screen4x3"/>
+  <p:sldSz cx="9144000" cy="9001125"/>
   <p:notesSz cx="6858000" cy="9144000"/>
   <p:defaultTextStyle>
     <a:defPPr>
@@ -136,8 +136,8 @@
         </p:nvSpPr>
         <p:spPr>
           <a:xfrm>
-            <a:off x="685800" y="2130425"/>
-            <a:ext cx="7772400" cy="1470025"/>
+            <a:off x="685800" y="2796183"/>
+            <a:ext cx="7772400" cy="1929408"/>
           </a:xfrm>
         </p:spPr>
         <p:txBody>
@@ -164,8 +164,8 @@
         </p:nvSpPr>
         <p:spPr>
           <a:xfrm>
-            <a:off x="1371600" y="3886200"/>
-            <a:ext cx="6400800" cy="1752600"/>
+            <a:off x="1371600" y="5100637"/>
+            <a:ext cx="6400800" cy="2300288"/>
           </a:xfrm>
         </p:spPr>
         <p:txBody>
@@ -288,7 +288,7 @@
           <a:p>
             <a:fld id="{530820CF-B880-4189-942D-D702A7CBA730}" type="datetimeFigureOut">
               <a:rPr lang="zh-CN" altLang="en-US" smtClean="0"/>
-              <a:t>2021/12/20</a:t>
+              <a:t>2021/12/26</a:t>
             </a:fld>
             <a:endParaRPr lang="zh-CN" altLang="en-US"/>
           </a:p>
@@ -453,7 +453,7 @@
           <a:p>
             <a:fld id="{530820CF-B880-4189-942D-D702A7CBA730}" type="datetimeFigureOut">
               <a:rPr lang="zh-CN" altLang="en-US" smtClean="0"/>
-              <a:t>2021/12/20</a:t>
+              <a:t>2021/12/26</a:t>
             </a:fld>
             <a:endParaRPr lang="zh-CN" altLang="en-US"/>
           </a:p>
@@ -538,8 +538,8 @@
         </p:nvSpPr>
         <p:spPr>
           <a:xfrm>
-            <a:off x="6629400" y="274638"/>
-            <a:ext cx="2057400" cy="5851525"/>
+            <a:off x="6629400" y="360463"/>
+            <a:ext cx="2057400" cy="7680127"/>
           </a:xfrm>
         </p:spPr>
         <p:txBody>
@@ -566,8 +566,8 @@
         </p:nvSpPr>
         <p:spPr>
           <a:xfrm>
-            <a:off x="457200" y="274638"/>
-            <a:ext cx="6019800" cy="5851525"/>
+            <a:off x="457200" y="360463"/>
+            <a:ext cx="6019800" cy="7680127"/>
           </a:xfrm>
         </p:spPr>
         <p:txBody>
@@ -628,7 +628,7 @@
           <a:p>
             <a:fld id="{530820CF-B880-4189-942D-D702A7CBA730}" type="datetimeFigureOut">
               <a:rPr lang="zh-CN" altLang="en-US" smtClean="0"/>
-              <a:t>2021/12/20</a:t>
+              <a:t>2021/12/26</a:t>
             </a:fld>
             <a:endParaRPr lang="zh-CN" altLang="en-US"/>
           </a:p>
@@ -793,7 +793,7 @@
           <a:p>
             <a:fld id="{530820CF-B880-4189-942D-D702A7CBA730}" type="datetimeFigureOut">
               <a:rPr lang="zh-CN" altLang="en-US" smtClean="0"/>
-              <a:t>2021/12/20</a:t>
+              <a:t>2021/12/26</a:t>
             </a:fld>
             <a:endParaRPr lang="zh-CN" altLang="en-US"/>
           </a:p>
@@ -878,8 +878,8 @@
         </p:nvSpPr>
         <p:spPr>
           <a:xfrm>
-            <a:off x="722313" y="4406900"/>
-            <a:ext cx="7772400" cy="1362075"/>
+            <a:off x="722313" y="5784057"/>
+            <a:ext cx="7772400" cy="1787723"/>
           </a:xfrm>
         </p:spPr>
         <p:txBody>
@@ -910,8 +910,8 @@
         </p:nvSpPr>
         <p:spPr>
           <a:xfrm>
-            <a:off x="722313" y="2906713"/>
-            <a:ext cx="7772400" cy="1500187"/>
+            <a:off x="722313" y="3815062"/>
+            <a:ext cx="7772400" cy="1968995"/>
           </a:xfrm>
         </p:spPr>
         <p:txBody>
@@ -1034,7 +1034,7 @@
           <a:p>
             <a:fld id="{530820CF-B880-4189-942D-D702A7CBA730}" type="datetimeFigureOut">
               <a:rPr lang="zh-CN" altLang="en-US" smtClean="0"/>
-              <a:t>2021/12/20</a:t>
+              <a:t>2021/12/26</a:t>
             </a:fld>
             <a:endParaRPr lang="zh-CN" altLang="en-US"/>
           </a:p>
@@ -1142,8 +1142,8 @@
         </p:nvSpPr>
         <p:spPr>
           <a:xfrm>
-            <a:off x="457200" y="1600200"/>
-            <a:ext cx="4038600" cy="4525963"/>
+            <a:off x="457200" y="2100263"/>
+            <a:ext cx="4038600" cy="5940326"/>
           </a:xfrm>
         </p:spPr>
         <p:txBody>
@@ -1227,8 +1227,8 @@
         </p:nvSpPr>
         <p:spPr>
           <a:xfrm>
-            <a:off x="4648200" y="1600200"/>
-            <a:ext cx="4038600" cy="4525963"/>
+            <a:off x="4648200" y="2100263"/>
+            <a:ext cx="4038600" cy="5940326"/>
           </a:xfrm>
         </p:spPr>
         <p:txBody>
@@ -1317,7 +1317,7 @@
           <a:p>
             <a:fld id="{530820CF-B880-4189-942D-D702A7CBA730}" type="datetimeFigureOut">
               <a:rPr lang="zh-CN" altLang="en-US" smtClean="0"/>
-              <a:t>2021/12/20</a:t>
+              <a:t>2021/12/26</a:t>
             </a:fld>
             <a:endParaRPr lang="zh-CN" altLang="en-US"/>
           </a:p>
@@ -1429,8 +1429,8 @@
         </p:nvSpPr>
         <p:spPr>
           <a:xfrm>
-            <a:off x="457200" y="1535113"/>
-            <a:ext cx="4040188" cy="639762"/>
+            <a:off x="457200" y="2014836"/>
+            <a:ext cx="4040188" cy="839688"/>
           </a:xfrm>
         </p:spPr>
         <p:txBody>
@@ -1494,8 +1494,8 @@
         </p:nvSpPr>
         <p:spPr>
           <a:xfrm>
-            <a:off x="457200" y="2174875"/>
-            <a:ext cx="4040188" cy="3951288"/>
+            <a:off x="457200" y="2854523"/>
+            <a:ext cx="4040188" cy="5186066"/>
           </a:xfrm>
         </p:spPr>
         <p:txBody>
@@ -1579,8 +1579,8 @@
         </p:nvSpPr>
         <p:spPr>
           <a:xfrm>
-            <a:off x="4645025" y="1535113"/>
-            <a:ext cx="4041775" cy="639762"/>
+            <a:off x="4645026" y="2014836"/>
+            <a:ext cx="4041775" cy="839688"/>
           </a:xfrm>
         </p:spPr>
         <p:txBody>
@@ -1644,8 +1644,8 @@
         </p:nvSpPr>
         <p:spPr>
           <a:xfrm>
-            <a:off x="4645025" y="2174875"/>
-            <a:ext cx="4041775" cy="3951288"/>
+            <a:off x="4645026" y="2854523"/>
+            <a:ext cx="4041775" cy="5186066"/>
           </a:xfrm>
         </p:spPr>
         <p:txBody>
@@ -1734,7 +1734,7 @@
           <a:p>
             <a:fld id="{530820CF-B880-4189-942D-D702A7CBA730}" type="datetimeFigureOut">
               <a:rPr lang="zh-CN" altLang="en-US" smtClean="0"/>
-              <a:t>2021/12/20</a:t>
+              <a:t>2021/12/26</a:t>
             </a:fld>
             <a:endParaRPr lang="zh-CN" altLang="en-US"/>
           </a:p>
@@ -1847,7 +1847,7 @@
           <a:p>
             <a:fld id="{530820CF-B880-4189-942D-D702A7CBA730}" type="datetimeFigureOut">
               <a:rPr lang="zh-CN" altLang="en-US" smtClean="0"/>
-              <a:t>2021/12/20</a:t>
+              <a:t>2021/12/26</a:t>
             </a:fld>
             <a:endParaRPr lang="zh-CN" altLang="en-US"/>
           </a:p>
@@ -1937,7 +1937,7 @@
           <a:p>
             <a:fld id="{530820CF-B880-4189-942D-D702A7CBA730}" type="datetimeFigureOut">
               <a:rPr lang="zh-CN" altLang="en-US" smtClean="0"/>
-              <a:t>2021/12/20</a:t>
+              <a:t>2021/12/26</a:t>
             </a:fld>
             <a:endParaRPr lang="zh-CN" altLang="en-US"/>
           </a:p>
@@ -2022,8 +2022,8 @@
         </p:nvSpPr>
         <p:spPr>
           <a:xfrm>
-            <a:off x="457200" y="273050"/>
-            <a:ext cx="3008313" cy="1162050"/>
+            <a:off x="457201" y="358378"/>
+            <a:ext cx="3008313" cy="1525191"/>
           </a:xfrm>
         </p:spPr>
         <p:txBody>
@@ -2054,8 +2054,8 @@
         </p:nvSpPr>
         <p:spPr>
           <a:xfrm>
-            <a:off x="3575050" y="273050"/>
-            <a:ext cx="5111750" cy="5853113"/>
+            <a:off x="3575050" y="358379"/>
+            <a:ext cx="5111750" cy="7682211"/>
           </a:xfrm>
         </p:spPr>
         <p:txBody>
@@ -2139,8 +2139,8 @@
         </p:nvSpPr>
         <p:spPr>
           <a:xfrm>
-            <a:off x="457200" y="1435100"/>
-            <a:ext cx="3008313" cy="4691063"/>
+            <a:off x="457201" y="1883570"/>
+            <a:ext cx="3008313" cy="6157020"/>
           </a:xfrm>
         </p:spPr>
         <p:txBody>
@@ -2209,7 +2209,7 @@
           <a:p>
             <a:fld id="{530820CF-B880-4189-942D-D702A7CBA730}" type="datetimeFigureOut">
               <a:rPr lang="zh-CN" altLang="en-US" smtClean="0"/>
-              <a:t>2021/12/20</a:t>
+              <a:t>2021/12/26</a:t>
             </a:fld>
             <a:endParaRPr lang="zh-CN" altLang="en-US"/>
           </a:p>
@@ -2294,8 +2294,8 @@
         </p:nvSpPr>
         <p:spPr>
           <a:xfrm>
-            <a:off x="1792288" y="4800600"/>
-            <a:ext cx="5486400" cy="566738"/>
+            <a:off x="1792288" y="6300787"/>
+            <a:ext cx="5486400" cy="743844"/>
           </a:xfrm>
         </p:spPr>
         <p:txBody>
@@ -2326,8 +2326,8 @@
         </p:nvSpPr>
         <p:spPr>
           <a:xfrm>
-            <a:off x="1792288" y="612775"/>
-            <a:ext cx="5486400" cy="4114800"/>
+            <a:off x="1792288" y="804267"/>
+            <a:ext cx="5486400" cy="5400675"/>
           </a:xfrm>
         </p:spPr>
         <p:txBody>
@@ -2387,8 +2387,8 @@
         </p:nvSpPr>
         <p:spPr>
           <a:xfrm>
-            <a:off x="1792288" y="5367338"/>
-            <a:ext cx="5486400" cy="804862"/>
+            <a:off x="1792288" y="7044631"/>
+            <a:ext cx="5486400" cy="1056381"/>
           </a:xfrm>
         </p:spPr>
         <p:txBody>
@@ -2457,7 +2457,7 @@
           <a:p>
             <a:fld id="{530820CF-B880-4189-942D-D702A7CBA730}" type="datetimeFigureOut">
               <a:rPr lang="zh-CN" altLang="en-US" smtClean="0"/>
-              <a:t>2021/12/20</a:t>
+              <a:t>2021/12/26</a:t>
             </a:fld>
             <a:endParaRPr lang="zh-CN" altLang="en-US"/>
           </a:p>
@@ -2547,8 +2547,8 @@
         </p:nvSpPr>
         <p:spPr>
           <a:xfrm>
-            <a:off x="457200" y="274638"/>
-            <a:ext cx="8229600" cy="1143000"/>
+            <a:off x="457200" y="360462"/>
+            <a:ext cx="8229600" cy="1500188"/>
           </a:xfrm>
           <a:prstGeom prst="rect">
             <a:avLst/>
@@ -2580,8 +2580,8 @@
         </p:nvSpPr>
         <p:spPr>
           <a:xfrm>
-            <a:off x="457200" y="1600200"/>
-            <a:ext cx="8229600" cy="4525963"/>
+            <a:off x="457200" y="2100263"/>
+            <a:ext cx="8229600" cy="5940326"/>
           </a:xfrm>
           <a:prstGeom prst="rect">
             <a:avLst/>
@@ -2642,8 +2642,8 @@
         </p:nvSpPr>
         <p:spPr>
           <a:xfrm>
-            <a:off x="457200" y="6356350"/>
-            <a:ext cx="2133600" cy="365125"/>
+            <a:off x="457200" y="8342710"/>
+            <a:ext cx="2133600" cy="479227"/>
           </a:xfrm>
           <a:prstGeom prst="rect">
             <a:avLst/>
@@ -2665,7 +2665,7 @@
           <a:p>
             <a:fld id="{530820CF-B880-4189-942D-D702A7CBA730}" type="datetimeFigureOut">
               <a:rPr lang="zh-CN" altLang="en-US" smtClean="0"/>
-              <a:t>2021/12/20</a:t>
+              <a:t>2021/12/26</a:t>
             </a:fld>
             <a:endParaRPr lang="zh-CN" altLang="en-US"/>
           </a:p>
@@ -2683,8 +2683,8 @@
         </p:nvSpPr>
         <p:spPr>
           <a:xfrm>
-            <a:off x="3124200" y="6356350"/>
-            <a:ext cx="2895600" cy="365125"/>
+            <a:off x="3124200" y="8342710"/>
+            <a:ext cx="2895600" cy="479227"/>
           </a:xfrm>
           <a:prstGeom prst="rect">
             <a:avLst/>
@@ -2720,8 +2720,8 @@
         </p:nvSpPr>
         <p:spPr>
           <a:xfrm>
-            <a:off x="6553200" y="6356350"/>
-            <a:ext cx="2133600" cy="365125"/>
+            <a:off x="6553200" y="8342710"/>
+            <a:ext cx="2133600" cy="479227"/>
           </a:xfrm>
           <a:prstGeom prst="rect">
             <a:avLst/>
@@ -3037,7 +3037,7 @@
       </p:grpSpPr>
       <p:pic>
         <p:nvPicPr>
-          <p:cNvPr id="3" name="图片 2"/>
+          <p:cNvPr id="8" name="图片 7"/>
           <p:cNvPicPr>
             <a:picLocks noChangeAspect="1"/>
           </p:cNvPicPr>
@@ -3057,8 +3057,8 @@
         </p:blipFill>
         <p:spPr>
           <a:xfrm>
-            <a:off x="2267744" y="639861"/>
-            <a:ext cx="4102311" cy="5219968"/>
+            <a:off x="3131840" y="1623864"/>
+            <a:ext cx="2857647" cy="5753396"/>
           </a:xfrm>
           <a:prstGeom prst="rect">
             <a:avLst/>
@@ -3067,21 +3067,59 @@
       </p:pic>
       <p:sp>
         <p:nvSpPr>
-          <p:cNvPr id="7" name="线形标注 1 6"/>
+          <p:cNvPr id="2" name="TextBox 1"/>
+          <p:cNvSpPr txBox="1"/>
+          <p:nvPr/>
+        </p:nvSpPr>
+        <p:spPr>
+          <a:xfrm>
+            <a:off x="2627784" y="684138"/>
+            <a:ext cx="3672408" cy="523220"/>
+          </a:xfrm>
+          <a:prstGeom prst="rect">
+            <a:avLst/>
+          </a:prstGeom>
+          <a:noFill/>
+        </p:spPr>
+        <p:txBody>
+          <a:bodyPr wrap="square" rtlCol="0">
+            <a:spAutoFit/>
+          </a:bodyPr>
+          <a:lstStyle/>
+          <a:p>
+            <a:r>
+              <a:rPr lang="zh-CN" altLang="en-US" sz="2800" b="1" dirty="0" smtClean="0">
+                <a:solidFill>
+                  <a:srgbClr val="FF0000"/>
+                </a:solidFill>
+              </a:rPr>
+              <a:t>界面介绍</a:t>
+            </a:r>
+            <a:endParaRPr lang="zh-CN" altLang="en-US" sz="2800" b="1" dirty="0">
+              <a:solidFill>
+                <a:srgbClr val="FF0000"/>
+              </a:solidFill>
+            </a:endParaRPr>
+          </a:p>
+        </p:txBody>
+      </p:sp>
+      <p:sp>
+        <p:nvSpPr>
+          <p:cNvPr id="15" name="线形标注 1 14"/>
           <p:cNvSpPr/>
           <p:nvPr/>
         </p:nvSpPr>
         <p:spPr>
           <a:xfrm>
-            <a:off x="1187624" y="1595726"/>
-            <a:ext cx="936104" cy="288032"/>
+            <a:off x="2123729" y="2412330"/>
+            <a:ext cx="864096" cy="288032"/>
           </a:xfrm>
           <a:prstGeom prst="borderCallout1">
             <a:avLst>
-              <a:gd name="adj1" fmla="val 50496"/>
-              <a:gd name="adj2" fmla="val 100338"/>
-              <a:gd name="adj3" fmla="val 120437"/>
-              <a:gd name="adj4" fmla="val 158861"/>
+              <a:gd name="adj1" fmla="val 44544"/>
+              <a:gd name="adj2" fmla="val 98811"/>
+              <a:gd name="adj3" fmla="val 46141"/>
+              <a:gd name="adj4" fmla="val 159078"/>
             </a:avLst>
           </a:prstGeom>
           <a:noFill/>
@@ -3130,21 +3168,21 @@
       </p:sp>
       <p:sp>
         <p:nvSpPr>
-          <p:cNvPr id="9" name="线形标注 1 8"/>
+          <p:cNvPr id="16" name="线形标注 1 15"/>
           <p:cNvSpPr/>
           <p:nvPr/>
         </p:nvSpPr>
         <p:spPr>
           <a:xfrm>
-            <a:off x="1187624" y="2348880"/>
-            <a:ext cx="929913" cy="360040"/>
+            <a:off x="2140783" y="3129548"/>
+            <a:ext cx="829987" cy="434910"/>
           </a:xfrm>
           <a:prstGeom prst="borderCallout1">
             <a:avLst>
-              <a:gd name="adj1" fmla="val 50496"/>
-              <a:gd name="adj2" fmla="val 100338"/>
-              <a:gd name="adj3" fmla="val 97877"/>
-              <a:gd name="adj4" fmla="val 150294"/>
+              <a:gd name="adj1" fmla="val 44544"/>
+              <a:gd name="adj2" fmla="val 98811"/>
+              <a:gd name="adj3" fmla="val 46142"/>
+              <a:gd name="adj4" fmla="val 148831"/>
             </a:avLst>
           </a:prstGeom>
           <a:noFill/>
@@ -3193,21 +3231,21 @@
       </p:sp>
       <p:sp>
         <p:nvSpPr>
-          <p:cNvPr id="10" name="线形标注 1 9"/>
+          <p:cNvPr id="17" name="线形标注 1 16"/>
           <p:cNvSpPr/>
           <p:nvPr/>
         </p:nvSpPr>
         <p:spPr>
           <a:xfrm>
-            <a:off x="1183813" y="2924944"/>
-            <a:ext cx="936104" cy="417537"/>
+            <a:off x="1938120" y="3767915"/>
+            <a:ext cx="1141553" cy="288032"/>
           </a:xfrm>
           <a:prstGeom prst="borderCallout1">
             <a:avLst>
-              <a:gd name="adj1" fmla="val 50496"/>
-              <a:gd name="adj2" fmla="val 100338"/>
-              <a:gd name="adj3" fmla="val 85046"/>
-              <a:gd name="adj4" fmla="val 147807"/>
+              <a:gd name="adj1" fmla="val 44544"/>
+              <a:gd name="adj2" fmla="val 98811"/>
+              <a:gd name="adj3" fmla="val 46142"/>
+              <a:gd name="adj4" fmla="val 124961"/>
             </a:avLst>
           </a:prstGeom>
           <a:noFill/>
@@ -3244,7 +3282,7 @@
                   <a:srgbClr val="FF0000"/>
                 </a:solidFill>
               </a:rPr>
-              <a:t>输入指标变量列数</a:t>
+              <a:t>指标变量列数</a:t>
             </a:r>
             <a:endParaRPr lang="zh-CN" altLang="en-US" sz="1200" dirty="0">
               <a:solidFill>
@@ -3256,21 +3294,21 @@
       </p:sp>
       <p:sp>
         <p:nvSpPr>
-          <p:cNvPr id="11" name="线形标注 1 10"/>
+          <p:cNvPr id="18" name="线形标注 1 17"/>
           <p:cNvSpPr/>
           <p:nvPr/>
         </p:nvSpPr>
         <p:spPr>
           <a:xfrm>
-            <a:off x="1187624" y="3501008"/>
-            <a:ext cx="936104" cy="432048"/>
+            <a:off x="1938120" y="4356546"/>
+            <a:ext cx="1141553" cy="288032"/>
           </a:xfrm>
           <a:prstGeom prst="borderCallout1">
             <a:avLst>
-              <a:gd name="adj1" fmla="val 50496"/>
-              <a:gd name="adj2" fmla="val 100338"/>
-              <a:gd name="adj3" fmla="val 80754"/>
-              <a:gd name="adj4" fmla="val 148482"/>
+              <a:gd name="adj1" fmla="val 44544"/>
+              <a:gd name="adj2" fmla="val 98811"/>
+              <a:gd name="adj3" fmla="val 46142"/>
+              <a:gd name="adj4" fmla="val 124961"/>
             </a:avLst>
           </a:prstGeom>
           <a:noFill/>
@@ -3307,36 +3345,41 @@
                   <a:srgbClr val="FF0000"/>
                 </a:solidFill>
               </a:rPr>
-              <a:t>输入分组变量</a:t>
-            </a:r>
-            <a:r>
-              <a:rPr lang="zh-CN" altLang="en-US" sz="1200" dirty="0">
+              <a:t>分组变量</a:t>
+            </a:r>
+            <a:r>
+              <a:rPr lang="zh-CN" altLang="en-US" sz="1200" dirty="0" smtClean="0">
                 <a:solidFill>
                   <a:srgbClr val="FF0000"/>
                 </a:solidFill>
               </a:rPr>
               <a:t>列数</a:t>
             </a:r>
-          </a:p>
-        </p:txBody>
-      </p:sp>
-      <p:sp>
-        <p:nvSpPr>
-          <p:cNvPr id="12" name="线形标注 1 11"/>
+            <a:endParaRPr lang="zh-CN" altLang="en-US" sz="1200" dirty="0">
+              <a:solidFill>
+                <a:srgbClr val="FF0000"/>
+              </a:solidFill>
+            </a:endParaRPr>
+          </a:p>
+        </p:txBody>
+      </p:sp>
+      <p:sp>
+        <p:nvSpPr>
+          <p:cNvPr id="19" name="线形标注 1 18"/>
           <p:cNvSpPr/>
           <p:nvPr/>
         </p:nvSpPr>
         <p:spPr>
           <a:xfrm>
-            <a:off x="1191127" y="4149080"/>
-            <a:ext cx="932602" cy="360040"/>
+            <a:off x="1938120" y="4932610"/>
+            <a:ext cx="1141553" cy="288032"/>
           </a:xfrm>
           <a:prstGeom prst="borderCallout1">
             <a:avLst>
-              <a:gd name="adj1" fmla="val 48512"/>
-              <a:gd name="adj2" fmla="val 100889"/>
-              <a:gd name="adj3" fmla="val 84722"/>
-              <a:gd name="adj4" fmla="val 150292"/>
+              <a:gd name="adj1" fmla="val 44544"/>
+              <a:gd name="adj2" fmla="val 98811"/>
+              <a:gd name="adj3" fmla="val 46142"/>
+              <a:gd name="adj4" fmla="val 124961"/>
             </a:avLst>
           </a:prstGeom>
           <a:noFill/>
@@ -3373,7 +3416,15 @@
                   <a:srgbClr val="FF0000"/>
                 </a:solidFill>
               </a:rPr>
-              <a:t>输入区组</a:t>
+              <a:t>区组列</a:t>
+            </a:r>
+            <a:r>
+              <a:rPr lang="zh-CN" altLang="en-US" sz="1200" dirty="0" smtClean="0">
+                <a:solidFill>
+                  <a:srgbClr val="FF0000"/>
+                </a:solidFill>
+              </a:rPr>
+              <a:t>数</a:t>
             </a:r>
             <a:endParaRPr lang="zh-CN" altLang="en-US" sz="1200" dirty="0">
               <a:solidFill>
@@ -3385,21 +3436,21 @@
       </p:sp>
       <p:sp>
         <p:nvSpPr>
-          <p:cNvPr id="13" name="线形标注 1 12"/>
+          <p:cNvPr id="20" name="线形标注 1 19"/>
           <p:cNvSpPr/>
           <p:nvPr/>
         </p:nvSpPr>
         <p:spPr>
           <a:xfrm>
-            <a:off x="1092205" y="5206315"/>
-            <a:ext cx="1097340" cy="288032"/>
+            <a:off x="1918279" y="5364658"/>
+            <a:ext cx="1141553" cy="421349"/>
           </a:xfrm>
           <a:prstGeom prst="borderCallout1">
             <a:avLst>
-              <a:gd name="adj1" fmla="val 50496"/>
-              <a:gd name="adj2" fmla="val 100338"/>
-              <a:gd name="adj3" fmla="val 54960"/>
-              <a:gd name="adj4" fmla="val 142988"/>
+              <a:gd name="adj1" fmla="val 44544"/>
+              <a:gd name="adj2" fmla="val 98811"/>
+              <a:gd name="adj3" fmla="val 46142"/>
+              <a:gd name="adj4" fmla="val 124961"/>
             </a:avLst>
           </a:prstGeom>
           <a:noFill/>
@@ -3436,7 +3487,7 @@
                   <a:srgbClr val="FF0000"/>
                 </a:solidFill>
               </a:rPr>
-              <a:t>点击查看结果</a:t>
+              <a:t>选择多重比较方法</a:t>
             </a:r>
             <a:endParaRPr lang="zh-CN" altLang="en-US" sz="1200" dirty="0">
               <a:solidFill>
@@ -3448,59 +3499,21 @@
       </p:sp>
       <p:sp>
         <p:nvSpPr>
-          <p:cNvPr id="2" name="TextBox 1"/>
-          <p:cNvSpPr txBox="1"/>
+          <p:cNvPr id="21" name="线形标注 1 20"/>
+          <p:cNvSpPr/>
           <p:nvPr/>
         </p:nvSpPr>
         <p:spPr>
           <a:xfrm>
-            <a:off x="1907704" y="188640"/>
-            <a:ext cx="3672408" cy="523220"/>
-          </a:xfrm>
-          <a:prstGeom prst="rect">
-            <a:avLst/>
-          </a:prstGeom>
-          <a:noFill/>
-        </p:spPr>
-        <p:txBody>
-          <a:bodyPr wrap="square" rtlCol="0">
-            <a:spAutoFit/>
-          </a:bodyPr>
-          <a:lstStyle/>
-          <a:p>
-            <a:r>
-              <a:rPr lang="zh-CN" altLang="en-US" sz="2800" b="1" dirty="0" smtClean="0">
-                <a:solidFill>
-                  <a:srgbClr val="FF0000"/>
-                </a:solidFill>
-              </a:rPr>
-              <a:t>界面介绍</a:t>
-            </a:r>
-            <a:endParaRPr lang="zh-CN" altLang="en-US" sz="2800" b="1" dirty="0">
-              <a:solidFill>
-                <a:srgbClr val="FF0000"/>
-              </a:solidFill>
-            </a:endParaRPr>
-          </a:p>
-        </p:txBody>
-      </p:sp>
-      <p:sp>
-        <p:nvSpPr>
-          <p:cNvPr id="14" name="线形标注 1 13"/>
-          <p:cNvSpPr/>
-          <p:nvPr/>
-        </p:nvSpPr>
-        <p:spPr>
-          <a:xfrm>
-            <a:off x="1187624" y="4661520"/>
-            <a:ext cx="932602" cy="360040"/>
+            <a:off x="1918279" y="5856417"/>
+            <a:ext cx="1141553" cy="288032"/>
           </a:xfrm>
           <a:prstGeom prst="borderCallout1">
             <a:avLst>
-              <a:gd name="adj1" fmla="val 48512"/>
-              <a:gd name="adj2" fmla="val 100889"/>
-              <a:gd name="adj3" fmla="val 84722"/>
-              <a:gd name="adj4" fmla="val 150292"/>
+              <a:gd name="adj1" fmla="val 44544"/>
+              <a:gd name="adj2" fmla="val 98811"/>
+              <a:gd name="adj3" fmla="val 46142"/>
+              <a:gd name="adj4" fmla="val 124961"/>
             </a:avLst>
           </a:prstGeom>
           <a:noFill/>
@@ -3537,13 +3550,169 @@
                   <a:srgbClr val="FF0000"/>
                 </a:solidFill>
               </a:rPr>
-              <a:t>选择多重比较方法</a:t>
+              <a:t>点击查看结果</a:t>
             </a:r>
             <a:endParaRPr lang="zh-CN" altLang="en-US" sz="1200" dirty="0">
               <a:solidFill>
                 <a:srgbClr val="FF0000"/>
               </a:solidFill>
             </a:endParaRPr>
+          </a:p>
+        </p:txBody>
+      </p:sp>
+      <p:sp>
+        <p:nvSpPr>
+          <p:cNvPr id="22" name="线形标注 1 21"/>
+          <p:cNvSpPr/>
+          <p:nvPr/>
+        </p:nvSpPr>
+        <p:spPr>
+          <a:xfrm>
+            <a:off x="1938120" y="6321446"/>
+            <a:ext cx="1141553" cy="288032"/>
+          </a:xfrm>
+          <a:prstGeom prst="borderCallout1">
+            <a:avLst>
+              <a:gd name="adj1" fmla="val 44544"/>
+              <a:gd name="adj2" fmla="val 98811"/>
+              <a:gd name="adj3" fmla="val 46142"/>
+              <a:gd name="adj4" fmla="val 124961"/>
+            </a:avLst>
+          </a:prstGeom>
+          <a:noFill/>
+          <a:ln>
+            <a:solidFill>
+              <a:srgbClr val="FF0000"/>
+            </a:solidFill>
+          </a:ln>
+        </p:spPr>
+        <p:style>
+          <a:lnRef idx="2">
+            <a:schemeClr val="accent1">
+              <a:shade val="50000"/>
+            </a:schemeClr>
+          </a:lnRef>
+          <a:fillRef idx="1">
+            <a:schemeClr val="accent1"/>
+          </a:fillRef>
+          <a:effectRef idx="0">
+            <a:schemeClr val="accent1"/>
+          </a:effectRef>
+          <a:fontRef idx="minor">
+            <a:schemeClr val="lt1"/>
+          </a:fontRef>
+        </p:style>
+        <p:txBody>
+          <a:bodyPr rtlCol="0" anchor="ctr"/>
+          <a:lstStyle/>
+          <a:p>
+            <a:pPr algn="ctr"/>
+            <a:r>
+              <a:rPr lang="zh-CN" altLang="en-US" sz="1200" dirty="0" smtClean="0">
+                <a:solidFill>
+                  <a:srgbClr val="FF0000"/>
+                </a:solidFill>
+              </a:rPr>
+              <a:t>下载结果</a:t>
+            </a:r>
+            <a:endParaRPr lang="zh-CN" altLang="en-US" sz="1200" dirty="0">
+              <a:solidFill>
+                <a:srgbClr val="FF0000"/>
+              </a:solidFill>
+            </a:endParaRPr>
+          </a:p>
+        </p:txBody>
+      </p:sp>
+      <p:sp>
+        <p:nvSpPr>
+          <p:cNvPr id="23" name="线形标注 1 22"/>
+          <p:cNvSpPr/>
+          <p:nvPr/>
+        </p:nvSpPr>
+        <p:spPr>
+          <a:xfrm>
+            <a:off x="1938119" y="6853484"/>
+            <a:ext cx="1141553" cy="288032"/>
+          </a:xfrm>
+          <a:prstGeom prst="borderCallout1">
+            <a:avLst>
+              <a:gd name="adj1" fmla="val 44544"/>
+              <a:gd name="adj2" fmla="val 98811"/>
+              <a:gd name="adj3" fmla="val 46142"/>
+              <a:gd name="adj4" fmla="val 124961"/>
+            </a:avLst>
+          </a:prstGeom>
+          <a:noFill/>
+          <a:ln>
+            <a:solidFill>
+              <a:srgbClr val="FF0000"/>
+            </a:solidFill>
+          </a:ln>
+        </p:spPr>
+        <p:style>
+          <a:lnRef idx="2">
+            <a:schemeClr val="accent1">
+              <a:shade val="50000"/>
+            </a:schemeClr>
+          </a:lnRef>
+          <a:fillRef idx="1">
+            <a:schemeClr val="accent1"/>
+          </a:fillRef>
+          <a:effectRef idx="0">
+            <a:schemeClr val="accent1"/>
+          </a:effectRef>
+          <a:fontRef idx="minor">
+            <a:schemeClr val="lt1"/>
+          </a:fontRef>
+        </p:style>
+        <p:txBody>
+          <a:bodyPr rtlCol="0" anchor="ctr"/>
+          <a:lstStyle/>
+          <a:p>
+            <a:pPr algn="ctr"/>
+            <a:r>
+              <a:rPr lang="zh-CN" altLang="en-US" sz="1200" dirty="0" smtClean="0">
+                <a:solidFill>
+                  <a:srgbClr val="FF0000"/>
+                </a:solidFill>
+              </a:rPr>
+              <a:t>下载箱式图</a:t>
+            </a:r>
+            <a:endParaRPr lang="zh-CN" altLang="en-US" sz="1200" dirty="0">
+              <a:solidFill>
+                <a:srgbClr val="FF0000"/>
+              </a:solidFill>
+            </a:endParaRPr>
+          </a:p>
+        </p:txBody>
+      </p:sp>
+      <p:sp>
+        <p:nvSpPr>
+          <p:cNvPr id="6" name="TextBox 5"/>
+          <p:cNvSpPr txBox="1"/>
+          <p:nvPr/>
+        </p:nvSpPr>
+        <p:spPr>
+          <a:xfrm>
+            <a:off x="3131840" y="1332210"/>
+            <a:ext cx="1656184" cy="338554"/>
+          </a:xfrm>
+          <a:prstGeom prst="rect">
+            <a:avLst/>
+          </a:prstGeom>
+          <a:noFill/>
+        </p:spPr>
+        <p:txBody>
+          <a:bodyPr wrap="square" rtlCol="0">
+            <a:spAutoFit/>
+          </a:bodyPr>
+          <a:lstStyle/>
+          <a:p>
+            <a:r>
+              <a:rPr lang="zh-CN" altLang="en-US" sz="1600" b="1" dirty="0" smtClean="0"/>
+              <a:t>方差分析</a:t>
+            </a:r>
+            <a:endParaRPr lang="zh-CN" altLang="en-US" sz="1600" b="1" dirty="0"/>
           </a:p>
         </p:txBody>
       </p:sp>
